--- a/MasterHandsManips/ReadMHCurations1/doc/usingMasterHandsAPI_from_Java1.pptx
+++ b/MasterHandsManips/ReadMHCurations1/doc/usingMasterHandsAPI_from_Java1.pptx
@@ -3763,7 +3763,7 @@
         </p:nvSpPr>
         <p:spPr>
           <a:xfrm>
-            <a:off x="432084" y="4286236"/>
+            <a:off x="432084" y="5026664"/>
             <a:ext cx="8279831" cy="738664"/>
           </a:xfrm>
           <a:prstGeom prst="rect">
@@ -3782,19 +3782,8 @@
                 <a:latin typeface="Arial" panose="020B0604020202020204" pitchFamily="34" charset="0"/>
                 <a:cs typeface="Arial" panose="020B0604020202020204" pitchFamily="34" charset="0"/>
               </a:rPr>
-              <a:t>Example of executing program compiled by Eclipse via </a:t>
-            </a:r>
-            <a:r>
-              <a:rPr kumimoji="1" lang="en-US" altLang="ja-JP" sz="1050">
-                <a:latin typeface="Arial" panose="020B0604020202020204" pitchFamily="34" charset="0"/>
-                <a:cs typeface="Arial" panose="020B0604020202020204" pitchFamily="34" charset="0"/>
-              </a:rPr>
-              <a:t>Windows PowerShell:</a:t>
-            </a:r>
-            <a:endParaRPr kumimoji="1" lang="en-US" altLang="ja-JP" sz="1050" dirty="0">
-              <a:latin typeface="Arial" panose="020B0604020202020204" pitchFamily="34" charset="0"/>
-              <a:cs typeface="Arial" panose="020B0604020202020204" pitchFamily="34" charset="0"/>
-            </a:endParaRPr>
+              <a:t>Example of executing program compiled by Eclipse via Windows PowerShell:</a:t>
+            </a:r>
           </a:p>
           <a:p>
             <a:r>
@@ -3850,8 +3839,8 @@
         </p:nvSpPr>
         <p:spPr>
           <a:xfrm>
-            <a:off x="432083" y="1833100"/>
-            <a:ext cx="7718780" cy="1546577"/>
+            <a:off x="71408" y="1831336"/>
+            <a:ext cx="9001182" cy="2516073"/>
           </a:xfrm>
           <a:prstGeom prst="rect">
             <a:avLst/>
@@ -3869,7 +3858,31 @@
                 <a:latin typeface="Arial" panose="020B0604020202020204" pitchFamily="34" charset="0"/>
                 <a:cs typeface="Arial" panose="020B0604020202020204" pitchFamily="34" charset="0"/>
               </a:rPr>
-              <a:t>Example of compiling:</a:t>
+              <a:t>Changing to source folder:</a:t>
+            </a:r>
+          </a:p>
+          <a:p>
+            <a:r>
+              <a:rPr kumimoji="1" lang="en-US" altLang="ja-JP" sz="1050" dirty="0">
+                <a:latin typeface="Courier New" panose="02070309020205020404" pitchFamily="49" charset="0"/>
+                <a:cs typeface="Courier New" panose="02070309020205020404" pitchFamily="49" charset="0"/>
+              </a:rPr>
+              <a:t>cd C:\Users\rsaito\rs_Progs\rs_Java\rs_Java_Projs\MasterHandsManips\ReadMHCurations1\src</a:t>
+            </a:r>
+          </a:p>
+          <a:p>
+            <a:endParaRPr kumimoji="1" lang="en-US" altLang="ja-JP" sz="1050" dirty="0">
+              <a:latin typeface="Arial" panose="020B0604020202020204" pitchFamily="34" charset="0"/>
+              <a:cs typeface="Arial" panose="020B0604020202020204" pitchFamily="34" charset="0"/>
+            </a:endParaRPr>
+          </a:p>
+          <a:p>
+            <a:r>
+              <a:rPr kumimoji="1" lang="en-US" altLang="ja-JP" sz="1050" dirty="0">
+                <a:latin typeface="Arial" panose="020B0604020202020204" pitchFamily="34" charset="0"/>
+                <a:cs typeface="Arial" panose="020B0604020202020204" pitchFamily="34" charset="0"/>
+              </a:rPr>
+              <a:t>Example of compiling via Command Prompt:</a:t>
             </a:r>
           </a:p>
           <a:p>
@@ -3899,7 +3912,52 @@
                 <a:latin typeface="Courier New" panose="02070309020205020404" pitchFamily="49" charset="0"/>
                 <a:cs typeface="Courier New" panose="02070309020205020404" pitchFamily="49" charset="0"/>
               </a:rPr>
-              <a:t> C:\WinAppl\MasterHands\MasterHands-2.20.0.2\MasterHands.jar Test_invoke1.java</a:t>
+              <a:t> C:\WinAppl\MasterHands\MasterHands-2.19.0.3\MasterHands.jar;. .\Test\Test_MHCurBase1_2.java</a:t>
+            </a:r>
+          </a:p>
+          <a:p>
+            <a:endParaRPr kumimoji="1" lang="en-US" altLang="ja-JP" sz="1050" dirty="0">
+              <a:latin typeface="Courier New" panose="02070309020205020404" pitchFamily="49" charset="0"/>
+              <a:cs typeface="Courier New" panose="02070309020205020404" pitchFamily="49" charset="0"/>
+            </a:endParaRPr>
+          </a:p>
+          <a:p>
+            <a:r>
+              <a:rPr kumimoji="1" lang="en-US" altLang="ja-JP" sz="1050" dirty="0">
+                <a:latin typeface="Arial" panose="020B0604020202020204" pitchFamily="34" charset="0"/>
+                <a:cs typeface="Arial" panose="020B0604020202020204" pitchFamily="34" charset="0"/>
+              </a:rPr>
+              <a:t>Example of compiling via Windows PowerShell:</a:t>
+            </a:r>
+          </a:p>
+          <a:p>
+            <a:r>
+              <a:rPr kumimoji="1" lang="en-US" altLang="ja-JP" sz="1050" dirty="0" err="1">
+                <a:latin typeface="Courier New" panose="02070309020205020404" pitchFamily="49" charset="0"/>
+                <a:cs typeface="Courier New" panose="02070309020205020404" pitchFamily="49" charset="0"/>
+              </a:rPr>
+              <a:t>javac</a:t>
+            </a:r>
+            <a:r>
+              <a:rPr kumimoji="1" lang="en-US" altLang="ja-JP" sz="1050" dirty="0">
+                <a:latin typeface="Courier New" panose="02070309020205020404" pitchFamily="49" charset="0"/>
+                <a:cs typeface="Courier New" panose="02070309020205020404" pitchFamily="49" charset="0"/>
+              </a:rPr>
+              <a:t> -</a:t>
+            </a:r>
+            <a:r>
+              <a:rPr kumimoji="1" lang="en-US" altLang="ja-JP" sz="1050" dirty="0" err="1">
+                <a:latin typeface="Courier New" panose="02070309020205020404" pitchFamily="49" charset="0"/>
+                <a:cs typeface="Courier New" panose="02070309020205020404" pitchFamily="49" charset="0"/>
+              </a:rPr>
+              <a:t>classpath</a:t>
+            </a:r>
+            <a:r>
+              <a:rPr kumimoji="1" lang="en-US" altLang="ja-JP" sz="1050" dirty="0">
+                <a:latin typeface="Courier New" panose="02070309020205020404" pitchFamily="49" charset="0"/>
+                <a:cs typeface="Courier New" panose="02070309020205020404" pitchFamily="49" charset="0"/>
+              </a:rPr>
+              <a:t> "C:\WinAppl\MasterHands\MasterHands-2.19.0.3\MasterHands.jar;." .\Test\Test_MHCurBase1_2.java</a:t>
             </a:r>
           </a:p>
           <a:p>
@@ -3937,7 +3995,7 @@
                 <a:latin typeface="Courier New" panose="02070309020205020404" pitchFamily="49" charset="0"/>
                 <a:cs typeface="Courier New" panose="02070309020205020404" pitchFamily="49" charset="0"/>
               </a:rPr>
-              <a:t> C:\WinAppl\MasterHands\MasterHands-2.20.0.2\MasterHands.jar; Test_invoke1</a:t>
+              <a:t> C:\WinAppl\MasterHands\MasterHands-2.19.0.3\MasterHands.jar; Test.Test_MHCurBase1_2</a:t>
             </a:r>
           </a:p>
           <a:p>
@@ -3984,7 +4042,7 @@
                 <a:latin typeface="Courier New" panose="02070309020205020404" pitchFamily="49" charset="0"/>
                 <a:cs typeface="Courier New" panose="02070309020205020404" pitchFamily="49" charset="0"/>
               </a:rPr>
-              <a:t> "C:\WinAppl\MasterHands\MasterHands-2.20.0.2\MasterHands.jar;" Test_invoke1</a:t>
+              <a:t> "C:\WinAppl\MasterHands\MasterHands-2.19.0.3\MasterHands.jar;" Test.Test_MHCurBase1_2</a:t>
             </a:r>
             <a:endParaRPr kumimoji="1" lang="ja-JP" altLang="en-US" sz="1050" dirty="0">
               <a:latin typeface="Courier New" panose="02070309020205020404" pitchFamily="49" charset="0"/>
